--- a/Midterm_Project/wk12/十大易用性_鄭人豪_彭正鈦_陳立宭.pptx
+++ b/Midterm_Project/wk12/十大易用性_鄭人豪_彭正鈦_陳立宭.pptx
@@ -5552,10 +5552,6 @@
               </a:rPr>
               <a:t>回最上按鈕</a:t>
             </a:r>
-            <a:endParaRPr lang="zh-TW" altLang="en-US" dirty="0">
-              <a:latin typeface="+mj-ea"/>
-              <a:ea typeface="+mj-ea"/>
-            </a:endParaRPr>
           </a:p>
         </p:txBody>
       </p:sp>
@@ -6763,6 +6759,36 @@
           </a:p>
         </p:txBody>
       </p:sp>
+      <p:sp>
+        <p:nvSpPr>
+          <p:cNvPr id="2" name="文字方塊 1"/>
+          <p:cNvSpPr txBox="1"/>
+          <p:nvPr/>
+        </p:nvSpPr>
+        <p:spPr>
+          <a:xfrm>
+            <a:off x="5117123" y="2162908"/>
+            <a:ext cx="6365631" cy="584775"/>
+          </a:xfrm>
+          <a:prstGeom prst="rect">
+            <a:avLst/>
+          </a:prstGeom>
+          <a:noFill/>
+        </p:spPr>
+        <p:txBody>
+          <a:bodyPr wrap="square" rtlCol="0">
+            <a:spAutoFit/>
+          </a:bodyPr>
+          <a:lstStyle/>
+          <a:p>
+            <a:r>
+              <a:rPr lang="zh-TW" altLang="en-US" sz="3200" dirty="0" smtClean="0"/>
+              <a:t>新增導覽列底線</a:t>
+            </a:r>
+            <a:endParaRPr lang="zh-TW" altLang="en-US" sz="3200" dirty="0"/>
+          </a:p>
+        </p:txBody>
+      </p:sp>
     </p:spTree>
     <p:extLst>
       <p:ext uri="{BB962C8B-B14F-4D97-AF65-F5344CB8AC3E}">
@@ -6793,41 +6819,205 @@
           <a:chExt cx="0" cy="0"/>
         </a:xfrm>
       </p:grpSpPr>
-      <p:sp>
-        <p:nvSpPr>
-          <p:cNvPr id="2" name="標題 1"/>
-          <p:cNvSpPr>
-            <a:spLocks noGrp="1"/>
-          </p:cNvSpPr>
-          <p:nvPr>
-            <p:ph type="title"/>
-          </p:nvPr>
-        </p:nvSpPr>
-        <p:spPr/>
-        <p:txBody>
-          <a:bodyPr/>
+      <p:pic>
+        <p:nvPicPr>
+          <p:cNvPr id="8" name="內容版面配置區 7"/>
+          <p:cNvPicPr>
+            <a:picLocks noGrp="1" noChangeAspect="1"/>
+          </p:cNvPicPr>
+          <p:nvPr>
+            <p:ph sz="half" idx="1"/>
+          </p:nvPr>
+        </p:nvPicPr>
+        <p:blipFill>
+          <a:blip r:embed="rId2" cstate="print">
+            <a:extLst>
+              <a:ext uri="{28A0092B-C50C-407E-A947-70E740481C1C}">
+                <a14:useLocalDpi xmlns:a14="http://schemas.microsoft.com/office/drawing/2010/main" val="0"/>
+              </a:ext>
+            </a:extLst>
+          </a:blip>
+          <a:stretch>
+            <a:fillRect/>
+          </a:stretch>
+        </p:blipFill>
+        <p:spPr>
+          <a:xfrm>
+            <a:off x="964467" y="747346"/>
+            <a:ext cx="3669079" cy="2523487"/>
+          </a:xfrm>
+        </p:spPr>
+      </p:pic>
+      <p:pic>
+        <p:nvPicPr>
+          <p:cNvPr id="9" name="內容版面配置區 8"/>
+          <p:cNvPicPr>
+            <a:picLocks noGrp="1" noChangeAspect="1"/>
+          </p:cNvPicPr>
+          <p:nvPr>
+            <p:ph sz="half" idx="2"/>
+          </p:nvPr>
+        </p:nvPicPr>
+        <p:blipFill>
+          <a:blip r:embed="rId3" cstate="print">
+            <a:extLst>
+              <a:ext uri="{28A0092B-C50C-407E-A947-70E740481C1C}">
+                <a14:useLocalDpi xmlns:a14="http://schemas.microsoft.com/office/drawing/2010/main" val="0"/>
+              </a:ext>
+            </a:extLst>
+          </a:blip>
+          <a:stretch>
+            <a:fillRect/>
+          </a:stretch>
+        </p:blipFill>
+        <p:spPr>
+          <a:xfrm>
+            <a:off x="964467" y="3492555"/>
+            <a:ext cx="3669079" cy="2671738"/>
+          </a:xfrm>
+        </p:spPr>
+      </p:pic>
+      <p:sp>
+        <p:nvSpPr>
+          <p:cNvPr id="10" name="向下箭號 9"/>
+          <p:cNvSpPr/>
+          <p:nvPr/>
+        </p:nvSpPr>
+        <p:spPr>
+          <a:xfrm>
+            <a:off x="2268415" y="3147646"/>
+            <a:ext cx="378070" cy="474785"/>
+          </a:xfrm>
+          <a:prstGeom prst="downArrow">
+            <a:avLst/>
+          </a:prstGeom>
+        </p:spPr>
+        <p:style>
+          <a:lnRef idx="2">
+            <a:schemeClr val="accent1">
+              <a:shade val="50000"/>
+            </a:schemeClr>
+          </a:lnRef>
+          <a:fillRef idx="1">
+            <a:schemeClr val="accent1"/>
+          </a:fillRef>
+          <a:effectRef idx="0">
+            <a:schemeClr val="accent1"/>
+          </a:effectRef>
+          <a:fontRef idx="minor">
+            <a:schemeClr val="lt1"/>
+          </a:fontRef>
+        </p:style>
+        <p:txBody>
+          <a:bodyPr rtlCol="0" anchor="ctr"/>
           <a:lstStyle/>
           <a:p>
+            <a:pPr algn="ctr"/>
             <a:endParaRPr lang="zh-TW" altLang="en-US"/>
           </a:p>
         </p:txBody>
       </p:sp>
       <p:sp>
         <p:nvSpPr>
-          <p:cNvPr id="3" name="內容版面配置區 2"/>
-          <p:cNvSpPr>
-            <a:spLocks noGrp="1"/>
-          </p:cNvSpPr>
-          <p:nvPr>
-            <p:ph idx="1"/>
-          </p:nvPr>
-        </p:nvSpPr>
-        <p:spPr/>
-        <p:txBody>
-          <a:bodyPr/>
+          <p:cNvPr id="11" name="文字方塊 10"/>
+          <p:cNvSpPr txBox="1"/>
+          <p:nvPr/>
+        </p:nvSpPr>
+        <p:spPr>
+          <a:xfrm>
+            <a:off x="5275385" y="1028700"/>
+            <a:ext cx="5627077" cy="2031325"/>
+          </a:xfrm>
+          <a:prstGeom prst="rect">
+            <a:avLst/>
+          </a:prstGeom>
+          <a:noFill/>
+        </p:spPr>
+        <p:txBody>
+          <a:bodyPr wrap="square" rtlCol="0">
+            <a:spAutoFit/>
+          </a:bodyPr>
           <a:lstStyle/>
           <a:p>
-            <a:endParaRPr lang="zh-TW" altLang="en-US"/>
+            <a:r>
+              <a:rPr lang="zh-TW" altLang="zh-TW" dirty="0"/>
+              <a:t>發現問題：</a:t>
+            </a:r>
+          </a:p>
+          <a:p>
+            <a:r>
+              <a:rPr lang="en-US" altLang="zh-TW" dirty="0" smtClean="0"/>
+              <a:t>	</a:t>
+            </a:r>
+            <a:r>
+              <a:rPr lang="zh-TW" altLang="zh-TW" dirty="0" smtClean="0"/>
+              <a:t>當</a:t>
+            </a:r>
+            <a:r>
+              <a:rPr lang="zh-TW" altLang="zh-TW" dirty="0"/>
+              <a:t>使用者點選導覽列後，並沒有明顯標示</a:t>
+            </a:r>
+            <a:r>
+              <a:rPr lang="zh-TW" altLang="zh-TW" dirty="0" smtClean="0"/>
+              <a:t>告</a:t>
+            </a:r>
+            <a:endParaRPr lang="en-US" altLang="zh-TW" dirty="0" smtClean="0"/>
+          </a:p>
+          <a:p>
+            <a:r>
+              <a:rPr lang="en-US" altLang="zh-TW" dirty="0"/>
+              <a:t>	</a:t>
+            </a:r>
+            <a:r>
+              <a:rPr lang="zh-TW" altLang="zh-TW" dirty="0" smtClean="0"/>
+              <a:t>知</a:t>
+            </a:r>
+            <a:r>
+              <a:rPr lang="zh-TW" altLang="zh-TW" dirty="0"/>
+              <a:t>使用者在哪一個頁面</a:t>
+            </a:r>
+          </a:p>
+          <a:p>
+            <a:r>
+              <a:rPr lang="zh-TW" altLang="zh-TW" dirty="0"/>
+              <a:t>解決方式：</a:t>
+            </a:r>
+          </a:p>
+          <a:p>
+            <a:r>
+              <a:rPr lang="en-US" altLang="zh-TW" dirty="0" smtClean="0"/>
+              <a:t>	</a:t>
+            </a:r>
+            <a:r>
+              <a:rPr lang="zh-TW" altLang="zh-TW" dirty="0" smtClean="0"/>
+              <a:t>進</a:t>
+            </a:r>
+            <a:r>
+              <a:rPr lang="zh-TW" altLang="zh-TW" dirty="0"/>
+              <a:t>到該頁面後，在導覽列下方新增底線，</a:t>
+            </a:r>
+            <a:r>
+              <a:rPr lang="zh-TW" altLang="zh-TW" dirty="0" smtClean="0"/>
+              <a:t>提</a:t>
+            </a:r>
+            <a:endParaRPr lang="en-US" altLang="zh-TW" dirty="0" smtClean="0"/>
+          </a:p>
+          <a:p>
+            <a:r>
+              <a:rPr lang="en-US" altLang="zh-TW" dirty="0"/>
+              <a:t>	</a:t>
+            </a:r>
+            <a:r>
+              <a:rPr lang="zh-TW" altLang="zh-TW" dirty="0" smtClean="0"/>
+              <a:t>醒</a:t>
+            </a:r>
+            <a:r>
+              <a:rPr lang="zh-TW" altLang="zh-TW" dirty="0"/>
+              <a:t>使用者</a:t>
+            </a:r>
+          </a:p>
+          <a:p>
+            <a:endParaRPr lang="zh-TW" altLang="en-US" dirty="0"/>
           </a:p>
         </p:txBody>
       </p:sp>
@@ -7123,6 +7313,36 @@
           </a:p>
         </p:txBody>
       </p:sp>
+      <p:sp>
+        <p:nvSpPr>
+          <p:cNvPr id="2" name="文字方塊 1"/>
+          <p:cNvSpPr txBox="1"/>
+          <p:nvPr/>
+        </p:nvSpPr>
+        <p:spPr>
+          <a:xfrm>
+            <a:off x="5310554" y="1670538"/>
+            <a:ext cx="6295292" cy="584775"/>
+          </a:xfrm>
+          <a:prstGeom prst="rect">
+            <a:avLst/>
+          </a:prstGeom>
+          <a:noFill/>
+        </p:spPr>
+        <p:txBody>
+          <a:bodyPr wrap="square" rtlCol="0">
+            <a:spAutoFit/>
+          </a:bodyPr>
+          <a:lstStyle/>
+          <a:p>
+            <a:r>
+              <a:rPr lang="zh-TW" altLang="en-US" sz="3200" dirty="0" smtClean="0"/>
+              <a:t>新增註冊提醒</a:t>
+            </a:r>
+            <a:endParaRPr lang="zh-TW" altLang="en-US" sz="3200" dirty="0"/>
+          </a:p>
+        </p:txBody>
+      </p:sp>
     </p:spTree>
     <p:extLst>
       <p:ext uri="{BB962C8B-B14F-4D97-AF65-F5344CB8AC3E}">
@@ -7153,41 +7373,164 @@
           <a:chExt cx="0" cy="0"/>
         </a:xfrm>
       </p:grpSpPr>
-      <p:sp>
-        <p:nvSpPr>
-          <p:cNvPr id="2" name="標題 1"/>
-          <p:cNvSpPr>
-            <a:spLocks noGrp="1"/>
-          </p:cNvSpPr>
-          <p:nvPr>
-            <p:ph type="title"/>
-          </p:nvPr>
-        </p:nvSpPr>
-        <p:spPr/>
-        <p:txBody>
-          <a:bodyPr/>
+      <p:pic>
+        <p:nvPicPr>
+          <p:cNvPr id="7" name="內容版面配置區 6"/>
+          <p:cNvPicPr>
+            <a:picLocks noGrp="1" noChangeAspect="1"/>
+          </p:cNvPicPr>
+          <p:nvPr>
+            <p:ph sz="half" idx="1"/>
+          </p:nvPr>
+        </p:nvPicPr>
+        <p:blipFill>
+          <a:blip r:embed="rId2">
+            <a:extLst>
+              <a:ext uri="{28A0092B-C50C-407E-A947-70E740481C1C}">
+                <a14:useLocalDpi xmlns:a14="http://schemas.microsoft.com/office/drawing/2010/main" val="0"/>
+              </a:ext>
+            </a:extLst>
+          </a:blip>
+          <a:stretch>
+            <a:fillRect/>
+          </a:stretch>
+        </p:blipFill>
+        <p:spPr>
+          <a:xfrm>
+            <a:off x="1209471" y="967154"/>
+            <a:ext cx="3314987" cy="1950889"/>
+          </a:xfrm>
+        </p:spPr>
+      </p:pic>
+      <p:pic>
+        <p:nvPicPr>
+          <p:cNvPr id="8" name="內容版面配置區 7"/>
+          <p:cNvPicPr>
+            <a:picLocks noGrp="1" noChangeAspect="1"/>
+          </p:cNvPicPr>
+          <p:nvPr>
+            <p:ph sz="half" idx="2"/>
+          </p:nvPr>
+        </p:nvPicPr>
+        <p:blipFill>
+          <a:blip r:embed="rId3">
+            <a:extLst>
+              <a:ext uri="{28A0092B-C50C-407E-A947-70E740481C1C}">
+                <a14:useLocalDpi xmlns:a14="http://schemas.microsoft.com/office/drawing/2010/main" val="0"/>
+              </a:ext>
+            </a:extLst>
+          </a:blip>
+          <a:stretch>
+            <a:fillRect/>
+          </a:stretch>
+        </p:blipFill>
+        <p:spPr>
+          <a:xfrm>
+            <a:off x="1209471" y="3448951"/>
+            <a:ext cx="3353091" cy="2034716"/>
+          </a:xfrm>
+        </p:spPr>
+      </p:pic>
+      <p:sp>
+        <p:nvSpPr>
+          <p:cNvPr id="9" name="向下箭號 8"/>
+          <p:cNvSpPr/>
+          <p:nvPr/>
+        </p:nvSpPr>
+        <p:spPr>
+          <a:xfrm>
+            <a:off x="2549769" y="2918043"/>
+            <a:ext cx="404446" cy="572503"/>
+          </a:xfrm>
+          <a:prstGeom prst="downArrow">
+            <a:avLst/>
+          </a:prstGeom>
+        </p:spPr>
+        <p:style>
+          <a:lnRef idx="2">
+            <a:schemeClr val="accent1">
+              <a:shade val="50000"/>
+            </a:schemeClr>
+          </a:lnRef>
+          <a:fillRef idx="1">
+            <a:schemeClr val="accent1"/>
+          </a:fillRef>
+          <a:effectRef idx="0">
+            <a:schemeClr val="accent1"/>
+          </a:effectRef>
+          <a:fontRef idx="minor">
+            <a:schemeClr val="lt1"/>
+          </a:fontRef>
+        </p:style>
+        <p:txBody>
+          <a:bodyPr rtlCol="0" anchor="ctr"/>
           <a:lstStyle/>
           <a:p>
+            <a:pPr algn="ctr"/>
             <a:endParaRPr lang="zh-TW" altLang="en-US"/>
           </a:p>
         </p:txBody>
       </p:sp>
       <p:sp>
         <p:nvSpPr>
-          <p:cNvPr id="3" name="內容版面配置區 2"/>
-          <p:cNvSpPr>
-            <a:spLocks noGrp="1"/>
-          </p:cNvSpPr>
-          <p:nvPr>
-            <p:ph idx="1"/>
-          </p:nvPr>
-        </p:nvSpPr>
-        <p:spPr/>
-        <p:txBody>
-          <a:bodyPr/>
+          <p:cNvPr id="10" name="文字方塊 9"/>
+          <p:cNvSpPr txBox="1"/>
+          <p:nvPr/>
+        </p:nvSpPr>
+        <p:spPr>
+          <a:xfrm>
+            <a:off x="5943600" y="967154"/>
+            <a:ext cx="5345723" cy="1200329"/>
+          </a:xfrm>
+          <a:prstGeom prst="rect">
+            <a:avLst/>
+          </a:prstGeom>
+          <a:noFill/>
+        </p:spPr>
+        <p:txBody>
+          <a:bodyPr wrap="square" rtlCol="0">
+            <a:spAutoFit/>
+          </a:bodyPr>
           <a:lstStyle/>
           <a:p>
-            <a:endParaRPr lang="zh-TW" altLang="en-US"/>
+            <a:r>
+              <a:rPr lang="zh-TW" altLang="zh-TW" dirty="0"/>
+              <a:t>發現問題：</a:t>
+            </a:r>
+          </a:p>
+          <a:p>
+            <a:r>
+              <a:rPr lang="en-US" altLang="zh-TW" dirty="0" smtClean="0"/>
+              <a:t>	</a:t>
+            </a:r>
+            <a:r>
+              <a:rPr lang="zh-TW" altLang="zh-TW" dirty="0" smtClean="0"/>
+              <a:t>使用者</a:t>
+            </a:r>
+            <a:r>
+              <a:rPr lang="zh-TW" altLang="zh-TW" dirty="0"/>
+              <a:t>填寫註冊資料可能填入錯誤的符號</a:t>
+            </a:r>
+          </a:p>
+          <a:p>
+            <a:r>
+              <a:rPr lang="zh-TW" altLang="zh-TW" dirty="0"/>
+              <a:t>解決方式：</a:t>
+            </a:r>
+          </a:p>
+          <a:p>
+            <a:r>
+              <a:rPr lang="en-US" altLang="zh-TW" smtClean="0"/>
+              <a:t>	</a:t>
+            </a:r>
+            <a:r>
+              <a:rPr lang="zh-TW" altLang="zh-TW" smtClean="0"/>
+              <a:t>新增</a:t>
+            </a:r>
+            <a:r>
+              <a:rPr lang="zh-TW" altLang="zh-TW" dirty="0"/>
+              <a:t>填寫欄位的提示</a:t>
+            </a:r>
           </a:p>
         </p:txBody>
       </p:sp>

--- a/Midterm_Project/wk12/十大易用性_鄭人豪_彭正鈦_陳立宭.pptx
+++ b/Midterm_Project/wk12/十大易用性_鄭人豪_彭正鈦_陳立宭.pptx
@@ -6767,8 +6767,8 @@
         </p:nvSpPr>
         <p:spPr>
           <a:xfrm>
-            <a:off x="5117123" y="2162908"/>
-            <a:ext cx="6365631" cy="584775"/>
+            <a:off x="5132562" y="2091997"/>
+            <a:ext cx="6365631" cy="535531"/>
           </a:xfrm>
           <a:prstGeom prst="rect">
             <a:avLst/>
@@ -6781,11 +6781,47 @@
           </a:bodyPr>
           <a:lstStyle/>
           <a:p>
-            <a:r>
-              <a:rPr lang="zh-TW" altLang="en-US" sz="3200" dirty="0" smtClean="0"/>
+            <a:pPr>
+              <a:lnSpc>
+                <a:spcPct val="90000"/>
+              </a:lnSpc>
+              <a:spcBef>
+                <a:spcPct val="0"/>
+              </a:spcBef>
+            </a:pPr>
+            <a:r>
+              <a:rPr lang="zh-TW" altLang="en-US" sz="3200" cap="all" dirty="0">
+                <a:blipFill>
+                  <a:blip r:embed="rId8">
+                    <a:extLst>
+                      <a:ext uri="{28A0092B-C50C-407E-A947-70E740481C1C}">
+                        <a14:useLocalDpi xmlns:a14="http://schemas.microsoft.com/office/drawing/2010/main" val="0"/>
+                      </a:ext>
+                    </a:extLst>
+                  </a:blip>
+                  <a:tile tx="6350" ty="-127000" sx="65000" sy="64000" flip="none" algn="tl"/>
+                </a:blipFill>
+                <a:latin typeface="+mj-ea"/>
+                <a:ea typeface="+mj-ea"/>
+                <a:cs typeface="+mj-cs"/>
+              </a:rPr>
               <a:t>新增導覽列底線</a:t>
             </a:r>
-            <a:endParaRPr lang="zh-TW" altLang="en-US" sz="3200" dirty="0"/>
+            <a:endParaRPr lang="zh-TW" altLang="en-US" sz="3200" cap="all" dirty="0">
+              <a:blipFill>
+                <a:blip r:embed="rId8">
+                  <a:extLst>
+                    <a:ext uri="{28A0092B-C50C-407E-A947-70E740481C1C}">
+                      <a14:useLocalDpi xmlns:a14="http://schemas.microsoft.com/office/drawing/2010/main" val="0"/>
+                    </a:ext>
+                  </a:extLst>
+                </a:blip>
+                <a:tile tx="6350" ty="-127000" sx="65000" sy="64000" flip="none" algn="tl"/>
+              </a:blipFill>
+              <a:latin typeface="+mj-ea"/>
+              <a:ea typeface="+mj-ea"/>
+              <a:cs typeface="+mj-cs"/>
+            </a:endParaRPr>
           </a:p>
         </p:txBody>
       </p:sp>
@@ -6940,79 +6976,133 @@
           <a:lstStyle/>
           <a:p>
             <a:r>
-              <a:rPr lang="zh-TW" altLang="zh-TW" dirty="0"/>
+              <a:rPr lang="zh-TW" altLang="zh-TW" dirty="0">
+                <a:latin typeface="+mj-ea"/>
+                <a:ea typeface="+mj-ea"/>
+              </a:rPr>
               <a:t>發現問題：</a:t>
             </a:r>
           </a:p>
           <a:p>
             <a:r>
-              <a:rPr lang="en-US" altLang="zh-TW" dirty="0" smtClean="0"/>
+              <a:rPr lang="en-US" altLang="zh-TW" dirty="0" smtClean="0">
+                <a:latin typeface="+mj-ea"/>
+                <a:ea typeface="+mj-ea"/>
+              </a:rPr>
               <a:t>	</a:t>
             </a:r>
             <a:r>
-              <a:rPr lang="zh-TW" altLang="zh-TW" dirty="0" smtClean="0"/>
+              <a:rPr lang="zh-TW" altLang="zh-TW" dirty="0" smtClean="0">
+                <a:latin typeface="+mj-ea"/>
+                <a:ea typeface="+mj-ea"/>
+              </a:rPr>
               <a:t>當</a:t>
             </a:r>
             <a:r>
-              <a:rPr lang="zh-TW" altLang="zh-TW" dirty="0"/>
+              <a:rPr lang="zh-TW" altLang="zh-TW" dirty="0">
+                <a:latin typeface="+mj-ea"/>
+                <a:ea typeface="+mj-ea"/>
+              </a:rPr>
               <a:t>使用者點選導覽列後，並沒有明顯標示</a:t>
             </a:r>
             <a:r>
-              <a:rPr lang="zh-TW" altLang="zh-TW" dirty="0" smtClean="0"/>
+              <a:rPr lang="zh-TW" altLang="zh-TW" dirty="0" smtClean="0">
+                <a:latin typeface="+mj-ea"/>
+                <a:ea typeface="+mj-ea"/>
+              </a:rPr>
               <a:t>告</a:t>
             </a:r>
-            <a:endParaRPr lang="en-US" altLang="zh-TW" dirty="0" smtClean="0"/>
-          </a:p>
-          <a:p>
-            <a:r>
-              <a:rPr lang="en-US" altLang="zh-TW" dirty="0"/>
+            <a:endParaRPr lang="en-US" altLang="zh-TW" dirty="0" smtClean="0">
+              <a:latin typeface="+mj-ea"/>
+              <a:ea typeface="+mj-ea"/>
+            </a:endParaRPr>
+          </a:p>
+          <a:p>
+            <a:r>
+              <a:rPr lang="en-US" altLang="zh-TW" dirty="0">
+                <a:latin typeface="+mj-ea"/>
+                <a:ea typeface="+mj-ea"/>
+              </a:rPr>
               <a:t>	</a:t>
             </a:r>
             <a:r>
-              <a:rPr lang="zh-TW" altLang="zh-TW" dirty="0" smtClean="0"/>
+              <a:rPr lang="zh-TW" altLang="zh-TW" dirty="0" smtClean="0">
+                <a:latin typeface="+mj-ea"/>
+                <a:ea typeface="+mj-ea"/>
+              </a:rPr>
               <a:t>知</a:t>
             </a:r>
             <a:r>
-              <a:rPr lang="zh-TW" altLang="zh-TW" dirty="0"/>
+              <a:rPr lang="zh-TW" altLang="zh-TW" dirty="0">
+                <a:latin typeface="+mj-ea"/>
+                <a:ea typeface="+mj-ea"/>
+              </a:rPr>
               <a:t>使用者在哪一個頁面</a:t>
             </a:r>
           </a:p>
           <a:p>
             <a:r>
-              <a:rPr lang="zh-TW" altLang="zh-TW" dirty="0"/>
+              <a:rPr lang="zh-TW" altLang="zh-TW" dirty="0">
+                <a:latin typeface="+mj-ea"/>
+                <a:ea typeface="+mj-ea"/>
+              </a:rPr>
               <a:t>解決方式：</a:t>
             </a:r>
           </a:p>
           <a:p>
             <a:r>
-              <a:rPr lang="en-US" altLang="zh-TW" dirty="0" smtClean="0"/>
+              <a:rPr lang="en-US" altLang="zh-TW" dirty="0" smtClean="0">
+                <a:latin typeface="+mj-ea"/>
+                <a:ea typeface="+mj-ea"/>
+              </a:rPr>
               <a:t>	</a:t>
             </a:r>
             <a:r>
-              <a:rPr lang="zh-TW" altLang="zh-TW" dirty="0" smtClean="0"/>
+              <a:rPr lang="zh-TW" altLang="zh-TW" dirty="0" smtClean="0">
+                <a:latin typeface="+mj-ea"/>
+                <a:ea typeface="+mj-ea"/>
+              </a:rPr>
               <a:t>進</a:t>
             </a:r>
             <a:r>
-              <a:rPr lang="zh-TW" altLang="zh-TW" dirty="0"/>
+              <a:rPr lang="zh-TW" altLang="zh-TW" dirty="0">
+                <a:latin typeface="+mj-ea"/>
+                <a:ea typeface="+mj-ea"/>
+              </a:rPr>
               <a:t>到該頁面後，在導覽列下方新增底線，</a:t>
             </a:r>
             <a:r>
-              <a:rPr lang="zh-TW" altLang="zh-TW" dirty="0" smtClean="0"/>
+              <a:rPr lang="zh-TW" altLang="zh-TW" dirty="0" smtClean="0">
+                <a:latin typeface="+mj-ea"/>
+                <a:ea typeface="+mj-ea"/>
+              </a:rPr>
               <a:t>提</a:t>
             </a:r>
-            <a:endParaRPr lang="en-US" altLang="zh-TW" dirty="0" smtClean="0"/>
-          </a:p>
-          <a:p>
-            <a:r>
-              <a:rPr lang="en-US" altLang="zh-TW" dirty="0"/>
+            <a:endParaRPr lang="en-US" altLang="zh-TW" dirty="0" smtClean="0">
+              <a:latin typeface="+mj-ea"/>
+              <a:ea typeface="+mj-ea"/>
+            </a:endParaRPr>
+          </a:p>
+          <a:p>
+            <a:r>
+              <a:rPr lang="en-US" altLang="zh-TW" dirty="0">
+                <a:latin typeface="+mj-ea"/>
+                <a:ea typeface="+mj-ea"/>
+              </a:rPr>
               <a:t>	</a:t>
             </a:r>
             <a:r>
-              <a:rPr lang="zh-TW" altLang="zh-TW" dirty="0" smtClean="0"/>
+              <a:rPr lang="zh-TW" altLang="zh-TW" dirty="0" smtClean="0">
+                <a:latin typeface="+mj-ea"/>
+                <a:ea typeface="+mj-ea"/>
+              </a:rPr>
               <a:t>醒</a:t>
             </a:r>
             <a:r>
-              <a:rPr lang="zh-TW" altLang="zh-TW" dirty="0"/>
+              <a:rPr lang="zh-TW" altLang="zh-TW" dirty="0">
+                <a:latin typeface="+mj-ea"/>
+                <a:ea typeface="+mj-ea"/>
+              </a:rPr>
               <a:t>使用者</a:t>
             </a:r>
           </a:p>
@@ -7322,7 +7412,7 @@
         <p:spPr>
           <a:xfrm>
             <a:off x="5310554" y="1670538"/>
-            <a:ext cx="6295292" cy="584775"/>
+            <a:ext cx="6295292" cy="535531"/>
           </a:xfrm>
           <a:prstGeom prst="rect">
             <a:avLst/>
@@ -7335,11 +7425,47 @@
           </a:bodyPr>
           <a:lstStyle/>
           <a:p>
-            <a:r>
-              <a:rPr lang="zh-TW" altLang="en-US" sz="3200" dirty="0" smtClean="0"/>
+            <a:pPr>
+              <a:lnSpc>
+                <a:spcPct val="90000"/>
+              </a:lnSpc>
+              <a:spcBef>
+                <a:spcPct val="0"/>
+              </a:spcBef>
+            </a:pPr>
+            <a:r>
+              <a:rPr lang="zh-TW" altLang="en-US" sz="3200" cap="all" dirty="0">
+                <a:blipFill>
+                  <a:blip r:embed="rId8">
+                    <a:extLst>
+                      <a:ext uri="{28A0092B-C50C-407E-A947-70E740481C1C}">
+                        <a14:useLocalDpi xmlns:a14="http://schemas.microsoft.com/office/drawing/2010/main" val="0"/>
+                      </a:ext>
+                    </a:extLst>
+                  </a:blip>
+                  <a:tile tx="6350" ty="-127000" sx="65000" sy="64000" flip="none" algn="tl"/>
+                </a:blipFill>
+                <a:latin typeface="+mj-ea"/>
+                <a:ea typeface="+mj-ea"/>
+                <a:cs typeface="+mj-cs"/>
+              </a:rPr>
               <a:t>新增註冊提醒</a:t>
             </a:r>
-            <a:endParaRPr lang="zh-TW" altLang="en-US" sz="3200" dirty="0"/>
+            <a:endParaRPr lang="zh-TW" altLang="en-US" sz="3200" cap="all" dirty="0">
+              <a:blipFill>
+                <a:blip r:embed="rId8">
+                  <a:extLst>
+                    <a:ext uri="{28A0092B-C50C-407E-A947-70E740481C1C}">
+                      <a14:useLocalDpi xmlns:a14="http://schemas.microsoft.com/office/drawing/2010/main" val="0"/>
+                    </a:ext>
+                  </a:extLst>
+                </a:blip>
+                <a:tile tx="6350" ty="-127000" sx="65000" sy="64000" flip="none" algn="tl"/>
+              </a:blipFill>
+              <a:latin typeface="+mj-ea"/>
+              <a:ea typeface="+mj-ea"/>
+              <a:cs typeface="+mj-cs"/>
+            </a:endParaRPr>
           </a:p>
         </p:txBody>
       </p:sp>
@@ -7494,41 +7620,65 @@
           <a:lstStyle/>
           <a:p>
             <a:r>
-              <a:rPr lang="zh-TW" altLang="zh-TW" dirty="0"/>
+              <a:rPr lang="zh-TW" altLang="zh-TW" dirty="0">
+                <a:latin typeface="+mj-ea"/>
+                <a:ea typeface="+mj-ea"/>
+              </a:rPr>
               <a:t>發現問題：</a:t>
             </a:r>
           </a:p>
           <a:p>
             <a:r>
-              <a:rPr lang="en-US" altLang="zh-TW" dirty="0" smtClean="0"/>
+              <a:rPr lang="en-US" altLang="zh-TW" dirty="0" smtClean="0">
+                <a:latin typeface="+mj-ea"/>
+                <a:ea typeface="+mj-ea"/>
+              </a:rPr>
               <a:t>	</a:t>
             </a:r>
             <a:r>
-              <a:rPr lang="zh-TW" altLang="zh-TW" dirty="0" smtClean="0"/>
+              <a:rPr lang="zh-TW" altLang="zh-TW" dirty="0" smtClean="0">
+                <a:latin typeface="+mj-ea"/>
+                <a:ea typeface="+mj-ea"/>
+              </a:rPr>
               <a:t>使用者</a:t>
             </a:r>
             <a:r>
-              <a:rPr lang="zh-TW" altLang="zh-TW" dirty="0"/>
+              <a:rPr lang="zh-TW" altLang="zh-TW" dirty="0">
+                <a:latin typeface="+mj-ea"/>
+                <a:ea typeface="+mj-ea"/>
+              </a:rPr>
               <a:t>填寫註冊資料可能填入錯誤的符號</a:t>
             </a:r>
           </a:p>
           <a:p>
             <a:r>
-              <a:rPr lang="zh-TW" altLang="zh-TW" dirty="0"/>
+              <a:rPr lang="zh-TW" altLang="zh-TW" dirty="0">
+                <a:latin typeface="+mj-ea"/>
+                <a:ea typeface="+mj-ea"/>
+              </a:rPr>
               <a:t>解決方式：</a:t>
             </a:r>
           </a:p>
           <a:p>
             <a:r>
-              <a:rPr lang="en-US" altLang="zh-TW" smtClean="0"/>
+              <a:rPr lang="en-US" altLang="zh-TW" dirty="0" smtClean="0">
+                <a:latin typeface="+mj-ea"/>
+                <a:ea typeface="+mj-ea"/>
+              </a:rPr>
               <a:t>	</a:t>
             </a:r>
             <a:r>
-              <a:rPr lang="zh-TW" altLang="zh-TW" smtClean="0"/>
+              <a:rPr lang="zh-TW" altLang="zh-TW" dirty="0" smtClean="0">
+                <a:latin typeface="+mj-ea"/>
+                <a:ea typeface="+mj-ea"/>
+              </a:rPr>
               <a:t>新增</a:t>
             </a:r>
             <a:r>
-              <a:rPr lang="zh-TW" altLang="zh-TW" dirty="0"/>
+              <a:rPr lang="zh-TW" altLang="zh-TW" dirty="0">
+                <a:latin typeface="+mj-ea"/>
+                <a:ea typeface="+mj-ea"/>
+              </a:rPr>
               <a:t>填寫欄位的提示</a:t>
             </a:r>
           </a:p>
